--- a/Ascend_Template.pptx
+++ b/Ascend_Template.pptx
@@ -11,19 +11,21 @@
     <p:sldMasterId id="2147483683" r:id="rId7"/>
   </p:sldMasterIdLst>
   <p:notesMasterIdLst>
-    <p:notesMasterId r:id="rId15"/>
+    <p:notesMasterId r:id="rId17"/>
   </p:notesMasterIdLst>
   <p:handoutMasterIdLst>
-    <p:handoutMasterId r:id="rId16"/>
+    <p:handoutMasterId r:id="rId18"/>
   </p:handoutMasterIdLst>
   <p:sldIdLst>
     <p:sldId id="603" r:id="rId8"/>
     <p:sldId id="739" r:id="rId9"/>
     <p:sldId id="2398" r:id="rId10"/>
     <p:sldId id="2412" r:id="rId11"/>
-    <p:sldId id="2438" r:id="rId12"/>
-    <p:sldId id="2397" r:id="rId13"/>
-    <p:sldId id="582" r:id="rId14"/>
+    <p:sldId id="2440" r:id="rId12"/>
+    <p:sldId id="2439" r:id="rId13"/>
+    <p:sldId id="2438" r:id="rId14"/>
+    <p:sldId id="2397" r:id="rId15"/>
+    <p:sldId id="582" r:id="rId16"/>
   </p:sldIdLst>
   <p:sldSz cx="12196763" cy="6858000"/>
   <p:notesSz cx="6858000" cy="9144000"/>
@@ -227,7 +229,7 @@
           <a:p>
             <a:fld id="{E8CF71B8-DF2A-2E41-BE66-2E18A767DA8A}" type="datetimeFigureOut">
               <a:rPr lang="en-US" smtClean="0"/>
-              <a:t>6/27/24</a:t>
+              <a:t>3/9/25</a:t>
             </a:fld>
             <a:endParaRPr lang="en-US"/>
           </a:p>
@@ -404,7 +406,7 @@
           <a:p>
             <a:fld id="{0DD60A27-BF12-6744-9E93-932A0E34D8BB}" type="datetimeFigureOut">
               <a:rPr lang="en-US" smtClean="0"/>
-              <a:t>6/27/24</a:t>
+              <a:t>3/9/25</a:t>
             </a:fld>
             <a:endParaRPr lang="en-US"/>
           </a:p>
@@ -903,9 +905,9 @@
                 <a:solidFill>
                   <a:srgbClr val="1D1D1A"/>
                 </a:solidFill>
-                <a:latin typeface="Futura Medium" panose="020B0602020204020303" pitchFamily="34" charset="-79"/>
+                <a:latin typeface="Futura-Medium" panose="020B0602020204020303" pitchFamily="34" charset="-79"/>
                 <a:ea typeface="Microsoft YaHei" panose="020B0503020204020204" pitchFamily="34" charset="-122"/>
-                <a:cs typeface="Futura Medium" panose="020B0602020204020303" pitchFamily="34" charset="-79"/>
+                <a:cs typeface="Futura-Medium" panose="020B0602020204020303" pitchFamily="34" charset="-79"/>
               </a:defRPr>
             </a:lvl1pPr>
           </a:lstStyle>
@@ -1035,9 +1037,9 @@
                 <a:effectLst/>
                 <a:uLnTx/>
                 <a:uFillTx/>
-                <a:latin typeface="Futura Medium" panose="020B0602020204020303" pitchFamily="34" charset="-79"/>
+                <a:latin typeface="Futura-Medium" panose="020B0602020204020303" pitchFamily="34" charset="-79"/>
                 <a:ea typeface="微软雅黑" pitchFamily="34" charset="-122"/>
-                <a:cs typeface="Futura Medium" panose="020B0602020204020303" pitchFamily="34" charset="-79"/>
+                <a:cs typeface="Futura-Medium" panose="020B0602020204020303" pitchFamily="34" charset="-79"/>
               </a:defRPr>
             </a:lvl1pPr>
           </a:lstStyle>
@@ -1287,9 +1289,9 @@
                 <a:effectLst/>
                 <a:uLnTx/>
                 <a:uFillTx/>
-                <a:latin typeface="Futura Medium" panose="020B0602020204020303" pitchFamily="34" charset="-79"/>
+                <a:latin typeface="Futura-Medium" panose="020B0602020204020303" pitchFamily="34" charset="-79"/>
                 <a:ea typeface="微软雅黑" pitchFamily="34" charset="-122"/>
-                <a:cs typeface="Futura Medium" panose="020B0602020204020303" pitchFamily="34" charset="-79"/>
+                <a:cs typeface="Futura-Medium" panose="020B0602020204020303" pitchFamily="34" charset="-79"/>
               </a:defRPr>
             </a:lvl1pPr>
           </a:lstStyle>
@@ -1905,9 +1907,9 @@
                 <a:effectLst/>
                 <a:uLnTx/>
                 <a:uFillTx/>
-                <a:latin typeface="Futura Medium" panose="020B0602020204020303" pitchFamily="34" charset="-79"/>
+                <a:latin typeface="Futura-Medium" panose="020B0602020204020303" pitchFamily="34" charset="-79"/>
                 <a:ea typeface="微软雅黑" pitchFamily="34" charset="-122"/>
-                <a:cs typeface="Futura Medium" panose="020B0602020204020303" pitchFamily="34" charset="-79"/>
+                <a:cs typeface="Futura-Medium" panose="020B0602020204020303" pitchFamily="34" charset="-79"/>
               </a:defRPr>
             </a:lvl1pPr>
           </a:lstStyle>
@@ -2157,9 +2159,9 @@
                 <a:effectLst/>
                 <a:uLnTx/>
                 <a:uFillTx/>
-                <a:latin typeface="Futura Medium" panose="020B0602020204020303" pitchFamily="34" charset="-79"/>
+                <a:latin typeface="Futura-Medium" panose="020B0602020204020303" pitchFamily="34" charset="-79"/>
                 <a:ea typeface="微软雅黑" pitchFamily="34" charset="-122"/>
-                <a:cs typeface="Futura Medium" panose="020B0602020204020303" pitchFamily="34" charset="-79"/>
+                <a:cs typeface="Futura-Medium" panose="020B0602020204020303" pitchFamily="34" charset="-79"/>
               </a:defRPr>
             </a:lvl1pPr>
           </a:lstStyle>
@@ -2419,9 +2421,9 @@
                 <a:effectLst/>
                 <a:uLnTx/>
                 <a:uFillTx/>
-                <a:latin typeface="Futura Medium" panose="020B0602020204020303" pitchFamily="34" charset="-79"/>
+                <a:latin typeface="Futura-Medium" panose="020B0602020204020303" pitchFamily="34" charset="-79"/>
                 <a:ea typeface="微软雅黑" pitchFamily="34" charset="-122"/>
-                <a:cs typeface="Futura Medium" panose="020B0602020204020303" pitchFamily="34" charset="-79"/>
+                <a:cs typeface="Futura-Medium" panose="020B0602020204020303" pitchFamily="34" charset="-79"/>
               </a:defRPr>
             </a:lvl1pPr>
           </a:lstStyle>
@@ -2805,9 +2807,9 @@
                 <a:effectLst/>
                 <a:uLnTx/>
                 <a:uFillTx/>
-                <a:latin typeface="Futura Medium" panose="020B0602020204020303" pitchFamily="34" charset="-79"/>
+                <a:latin typeface="Futura-Medium" panose="020B0602020204020303" pitchFamily="34" charset="-79"/>
                 <a:ea typeface="微软雅黑" pitchFamily="34" charset="-122"/>
-                <a:cs typeface="Futura Medium" panose="020B0602020204020303" pitchFamily="34" charset="-79"/>
+                <a:cs typeface="Futura-Medium" panose="020B0602020204020303" pitchFamily="34" charset="-79"/>
               </a:defRPr>
             </a:lvl1pPr>
           </a:lstStyle>
@@ -3082,9 +3084,9 @@
                 <a:effectLst/>
                 <a:uLnTx/>
                 <a:uFillTx/>
-                <a:latin typeface="Futura Medium" panose="020B0602020204020303" pitchFamily="34" charset="-79"/>
+                <a:latin typeface="Futura-Medium" panose="020B0602020204020303" pitchFamily="34" charset="-79"/>
                 <a:ea typeface="微软雅黑" pitchFamily="34" charset="-122"/>
-                <a:cs typeface="Futura Medium" panose="020B0602020204020303" pitchFamily="34" charset="-79"/>
+                <a:cs typeface="Futura-Medium" panose="020B0602020204020303" pitchFamily="34" charset="-79"/>
               </a:defRPr>
             </a:lvl1pPr>
             <a:lvl2pPr marL="476096" marR="0" indent="-236990" algn="l" defTabSz="1218804" rtl="0" eaLnBrk="0" fontAlgn="base" latinLnBrk="0" hangingPunct="0">
@@ -3262,9 +3264,9 @@
                 <a:effectLst/>
                 <a:uLnTx/>
                 <a:uFillTx/>
-                <a:latin typeface="Futura Medium" panose="020B0602020204020303" pitchFamily="34" charset="-79"/>
+                <a:latin typeface="Futura-Medium" panose="020B0602020204020303" pitchFamily="34" charset="-79"/>
                 <a:ea typeface="微软雅黑" pitchFamily="34" charset="-122"/>
-                <a:cs typeface="Futura Medium" panose="020B0602020204020303" pitchFamily="34" charset="-79"/>
+                <a:cs typeface="Futura-Medium" panose="020B0602020204020303" pitchFamily="34" charset="-79"/>
               </a:defRPr>
             </a:lvl1pPr>
           </a:lstStyle>
@@ -3544,9 +3546,9 @@
                 <a:effectLst/>
                 <a:uLnTx/>
                 <a:uFillTx/>
-                <a:latin typeface="Futura Medium" panose="020B0602020204020303" pitchFamily="34" charset="-79"/>
+                <a:latin typeface="Futura-Medium" panose="020B0602020204020303" pitchFamily="34" charset="-79"/>
                 <a:ea typeface="微软雅黑" pitchFamily="34" charset="-122"/>
-                <a:cs typeface="Futura Medium" panose="020B0602020204020303" pitchFamily="34" charset="-79"/>
+                <a:cs typeface="Futura-Medium" panose="020B0602020204020303" pitchFamily="34" charset="-79"/>
               </a:defRPr>
             </a:lvl1pPr>
           </a:lstStyle>
@@ -3896,9 +3898,9 @@
                 <a:solidFill>
                   <a:srgbClr val="FFFFFF"/>
                 </a:solidFill>
-                <a:latin typeface="Futura Medium" panose="020B0602020204020303" pitchFamily="34" charset="-79"/>
+                <a:latin typeface="Futura-Medium" panose="020B0602020204020303" pitchFamily="34" charset="-79"/>
                 <a:ea typeface="Microsoft YaHei" panose="020B0503020204020204" pitchFamily="34" charset="-122"/>
-                <a:cs typeface="Futura Medium" panose="020B0602020204020303" pitchFamily="34" charset="-79"/>
+                <a:cs typeface="Futura-Medium" panose="020B0602020204020303" pitchFamily="34" charset="-79"/>
               </a:defRPr>
             </a:lvl1pPr>
           </a:lstStyle>
@@ -3992,9 +3994,9 @@
                 <a:effectLst/>
                 <a:uLnTx/>
                 <a:uFillTx/>
-                <a:latin typeface="Futura Medium" panose="020B0602020204020303" pitchFamily="34" charset="-79"/>
+                <a:latin typeface="Futura-Medium" panose="020B0602020204020303" pitchFamily="34" charset="-79"/>
                 <a:ea typeface="微软雅黑" pitchFamily="34" charset="-122"/>
-                <a:cs typeface="Futura Medium" panose="020B0602020204020303" pitchFamily="34" charset="-79"/>
+                <a:cs typeface="Futura-Medium" panose="020B0602020204020303" pitchFamily="34" charset="-79"/>
               </a:defRPr>
             </a:lvl1pPr>
           </a:lstStyle>
@@ -4378,9 +4380,9 @@
                 <a:effectLst/>
                 <a:uLnTx/>
                 <a:uFillTx/>
-                <a:latin typeface="Futura Medium" panose="020B0602020204020303" pitchFamily="34" charset="-79"/>
+                <a:latin typeface="Futura-Medium" panose="020B0602020204020303" pitchFamily="34" charset="-79"/>
                 <a:ea typeface="微软雅黑" pitchFamily="34" charset="-122"/>
-                <a:cs typeface="Futura Medium" panose="020B0602020204020303" pitchFamily="34" charset="-79"/>
+                <a:cs typeface="Futura-Medium" panose="020B0602020204020303" pitchFamily="34" charset="-79"/>
               </a:defRPr>
             </a:lvl1pPr>
           </a:lstStyle>
@@ -4655,9 +4657,9 @@
                 <a:effectLst/>
                 <a:uLnTx/>
                 <a:uFillTx/>
-                <a:latin typeface="FUTURA MEDIUM" panose="020B0602020204020303" pitchFamily="34" charset="-79"/>
+                <a:latin typeface="Futura-Medium" panose="020B0602020204020303" pitchFamily="34" charset="-79"/>
                 <a:ea typeface="微软雅黑" pitchFamily="34" charset="-122"/>
-                <a:cs typeface="FUTURA MEDIUM" panose="020B0602020204020303" pitchFamily="34" charset="-79"/>
+                <a:cs typeface="Futura-Medium" panose="020B0602020204020303" pitchFamily="34" charset="-79"/>
               </a:defRPr>
             </a:lvl1pPr>
             <a:lvl2pPr marL="476096" marR="0" indent="-236990" algn="l" defTabSz="1218804" rtl="0" eaLnBrk="0" fontAlgn="base" latinLnBrk="0" hangingPunct="0">
@@ -4836,9 +4838,9 @@
                 <a:effectLst/>
                 <a:uLnTx/>
                 <a:uFillTx/>
-                <a:latin typeface="Futura Medium" panose="020B0602020204020303" pitchFamily="34" charset="-79"/>
+                <a:latin typeface="Futura-Medium" panose="020B0602020204020303" pitchFamily="34" charset="-79"/>
                 <a:ea typeface="微软雅黑" pitchFamily="34" charset="-122"/>
-                <a:cs typeface="Futura Medium" panose="020B0602020204020303" pitchFamily="34" charset="-79"/>
+                <a:cs typeface="Futura-Medium" panose="020B0602020204020303" pitchFamily="34" charset="-79"/>
               </a:defRPr>
             </a:lvl1pPr>
           </a:lstStyle>
@@ -5108,9 +5110,9 @@
                     <a:lumMod val="95000"/>
                   </a:schemeClr>
                 </a:solidFill>
-                <a:latin typeface="Futura Medium" panose="020B0602020204020303" pitchFamily="34" charset="-79"/>
+                <a:latin typeface="Futura-Medium" panose="020B0602020204020303" pitchFamily="34" charset="-79"/>
                 <a:ea typeface="微软雅黑" panose="020B0503020204020204" pitchFamily="34" charset="-122"/>
-                <a:cs typeface="Futura Medium" panose="020B0602020204020303" pitchFamily="34" charset="-79"/>
+                <a:cs typeface="Futura-Medium" panose="020B0602020204020303" pitchFamily="34" charset="-79"/>
               </a:defRPr>
             </a:lvl1pPr>
           </a:lstStyle>
@@ -5356,9 +5358,9 @@
                 <a:effectLst/>
                 <a:uLnTx/>
                 <a:uFillTx/>
-                <a:latin typeface="Futura Medium" panose="020B0602020204020303" pitchFamily="34" charset="-79"/>
+                <a:latin typeface="Futura-Medium" panose="020B0602020204020303" pitchFamily="34" charset="-79"/>
                 <a:ea typeface="微软雅黑" pitchFamily="34" charset="-122"/>
-                <a:cs typeface="Futura Medium" panose="020B0602020204020303" pitchFamily="34" charset="-79"/>
+                <a:cs typeface="Futura-Medium" panose="020B0602020204020303" pitchFamily="34" charset="-79"/>
               </a:defRPr>
             </a:lvl1pPr>
             <a:lvl2pPr marL="476096" marR="0" indent="-236990" algn="l" defTabSz="1218804" rtl="0" eaLnBrk="0" fontAlgn="base" latinLnBrk="0" hangingPunct="0">
@@ -5754,8 +5756,8 @@
                 <a:solidFill>
                   <a:srgbClr val="221815"/>
                 </a:solidFill>
-                <a:latin typeface="Futura Medium" panose="020B0602020204020303" pitchFamily="34" charset="-79"/>
-                <a:cs typeface="Futura Medium" panose="020B0602020204020303" pitchFamily="34" charset="-79"/>
+                <a:latin typeface="Futura-Medium" panose="020B0602020204020303" pitchFamily="34" charset="-79"/>
+                <a:cs typeface="Futura-Medium" panose="020B0602020204020303" pitchFamily="34" charset="-79"/>
               </a:rPr>
               <a:t>Thank you</a:t>
             </a:r>
@@ -6412,9 +6414,9 @@
                 <a:effectLst/>
                 <a:uLnTx/>
                 <a:uFillTx/>
-                <a:latin typeface="FUTURA MEDIUM" panose="020B0602020204020303" pitchFamily="34" charset="-79"/>
+                <a:latin typeface="Futura-Medium" panose="020B0602020204020303" pitchFamily="34" charset="-79"/>
                 <a:ea typeface="微软雅黑" pitchFamily="34" charset="-122"/>
-                <a:cs typeface="FUTURA MEDIUM" panose="020B0602020204020303" pitchFamily="34" charset="-79"/>
+                <a:cs typeface="Futura-Medium" panose="020B0602020204020303" pitchFamily="34" charset="-79"/>
               </a:defRPr>
             </a:lvl1pPr>
             <a:lvl2pPr marL="476096" marR="0" indent="-236990" algn="l" defTabSz="1218804" rtl="0" eaLnBrk="0" fontAlgn="base" latinLnBrk="0" hangingPunct="0">
@@ -6593,9 +6595,9 @@
                 <a:effectLst/>
                 <a:uLnTx/>
                 <a:uFillTx/>
-                <a:latin typeface="Futura Medium" panose="020B0602020204020303" pitchFamily="34" charset="-79"/>
+                <a:latin typeface="Futura-Medium" panose="020B0602020204020303" pitchFamily="34" charset="-79"/>
                 <a:ea typeface="微软雅黑" pitchFamily="34" charset="-122"/>
-                <a:cs typeface="Futura Medium" panose="020B0602020204020303" pitchFamily="34" charset="-79"/>
+                <a:cs typeface="Futura-Medium" panose="020B0602020204020303" pitchFamily="34" charset="-79"/>
               </a:defRPr>
             </a:lvl1pPr>
           </a:lstStyle>
@@ -6855,9 +6857,9 @@
                 <a:effectLst/>
                 <a:uLnTx/>
                 <a:uFillTx/>
-                <a:latin typeface="Futura Medium" panose="020B0602020204020303" pitchFamily="34" charset="-79"/>
+                <a:latin typeface="Futura-Medium" panose="020B0602020204020303" pitchFamily="34" charset="-79"/>
                 <a:ea typeface="微软雅黑" pitchFamily="34" charset="-122"/>
-                <a:cs typeface="Futura Medium" panose="020B0602020204020303" pitchFamily="34" charset="-79"/>
+                <a:cs typeface="Futura-Medium" panose="020B0602020204020303" pitchFamily="34" charset="-79"/>
               </a:defRPr>
             </a:lvl1pPr>
           </a:lstStyle>
@@ -7132,9 +7134,9 @@
                 <a:effectLst/>
                 <a:uLnTx/>
                 <a:uFillTx/>
-                <a:latin typeface="FUTURA MEDIUM" panose="020B0602020204020303" pitchFamily="34" charset="-79"/>
+                <a:latin typeface="Futura-Medium" panose="020B0602020204020303" pitchFamily="34" charset="-79"/>
                 <a:ea typeface="微软雅黑" pitchFamily="34" charset="-122"/>
-                <a:cs typeface="FUTURA MEDIUM" panose="020B0602020204020303" pitchFamily="34" charset="-79"/>
+                <a:cs typeface="Futura-Medium" panose="020B0602020204020303" pitchFamily="34" charset="-79"/>
               </a:defRPr>
             </a:lvl1pPr>
             <a:lvl2pPr marL="476096" marR="0" indent="-236990" algn="l" defTabSz="1218804" rtl="0" eaLnBrk="0" fontAlgn="base" latinLnBrk="0" hangingPunct="0">
@@ -7617,7 +7619,7 @@
                 </a:solidFill>
                 <a:latin typeface="Gill Sans MT" panose="020B0502020104020203" pitchFamily="34" charset="0"/>
                 <a:ea typeface="+mj-ea"/>
-                <a:cs typeface="Futura Medium" panose="020B0602020204020303" pitchFamily="34" charset="-79"/>
+                <a:cs typeface="Futura-Medium" panose="020B0602020204020303" pitchFamily="34" charset="-79"/>
               </a:rPr>
               <a:t>Web</a:t>
             </a:r>
@@ -7628,7 +7630,7 @@
                 </a:solidFill>
                 <a:latin typeface="Gill Sans MT" panose="020B0502020104020203" pitchFamily="34" charset="0"/>
                 <a:ea typeface="+mj-ea"/>
-                <a:cs typeface="Futura Medium" panose="020B0602020204020303" pitchFamily="34" charset="-79"/>
+                <a:cs typeface="Futura-Medium" panose="020B0602020204020303" pitchFamily="34" charset="-79"/>
               </a:rPr>
               <a:t> </a:t>
             </a:r>
@@ -7639,7 +7641,7 @@
                 </a:solidFill>
                 <a:latin typeface="Gill Sans MT" panose="020B0502020104020203" pitchFamily="34" charset="0"/>
                 <a:ea typeface="+mj-ea"/>
-                <a:cs typeface="Futura Medium" panose="020B0602020204020303" pitchFamily="34" charset="-79"/>
+                <a:cs typeface="Futura-Medium" panose="020B0602020204020303" pitchFamily="34" charset="-79"/>
               </a:rPr>
               <a:t>Page:</a:t>
             </a:r>
@@ -7650,7 +7652,7 @@
                 </a:solidFill>
                 <a:latin typeface="Gill Sans MT" panose="020B0502020104020203" pitchFamily="34" charset="0"/>
                 <a:ea typeface="+mj-ea"/>
-                <a:cs typeface="Futura Medium" panose="020B0602020204020303" pitchFamily="34" charset="-79"/>
+                <a:cs typeface="Futura-Medium" panose="020B0602020204020303" pitchFamily="34" charset="-79"/>
               </a:rPr>
               <a:t> </a:t>
             </a:r>
@@ -7661,7 +7663,7 @@
                 </a:solidFill>
                 <a:latin typeface="Gill Sans MT" panose="020B0502020104020203" pitchFamily="34" charset="0"/>
                 <a:ea typeface="+mj-ea"/>
-                <a:cs typeface="Futura Medium" panose="020B0602020204020303" pitchFamily="34" charset="-79"/>
+                <a:cs typeface="Futura-Medium" panose="020B0602020204020303" pitchFamily="34" charset="-79"/>
               </a:rPr>
               <a:t>www.hiascend.com</a:t>
             </a:r>
@@ -7671,7 +7673,7 @@
               </a:solidFill>
               <a:latin typeface="Gill Sans MT" panose="020B0502020104020203" pitchFamily="34" charset="0"/>
               <a:ea typeface="+mj-ea"/>
-              <a:cs typeface="Futura Medium" panose="020B0602020204020303" pitchFamily="34" charset="-79"/>
+              <a:cs typeface="Futura-Medium" panose="020B0602020204020303" pitchFamily="34" charset="-79"/>
             </a:endParaRPr>
           </a:p>
         </p:txBody>
@@ -17956,7 +17958,7 @@
                 </a:solidFill>
                 <a:latin typeface="Gill Sans MT" panose="020B0502020104020203" pitchFamily="34" charset="0"/>
                 <a:ea typeface="+mj-ea"/>
-                <a:cs typeface="Futura Medium" panose="020B0602020204020303" pitchFamily="34" charset="-79"/>
+                <a:cs typeface="Futura-Medium" panose="020B0602020204020303" pitchFamily="34" charset="-79"/>
               </a:rPr>
               <a:t>Web</a:t>
             </a:r>
@@ -17967,7 +17969,7 @@
                 </a:solidFill>
                 <a:latin typeface="Gill Sans MT" panose="020B0502020104020203" pitchFamily="34" charset="0"/>
                 <a:ea typeface="+mj-ea"/>
-                <a:cs typeface="Futura Medium" panose="020B0602020204020303" pitchFamily="34" charset="-79"/>
+                <a:cs typeface="Futura-Medium" panose="020B0602020204020303" pitchFamily="34" charset="-79"/>
               </a:rPr>
               <a:t> </a:t>
             </a:r>
@@ -17978,7 +17980,7 @@
                 </a:solidFill>
                 <a:latin typeface="Gill Sans MT" panose="020B0502020104020203" pitchFamily="34" charset="0"/>
                 <a:ea typeface="+mj-ea"/>
-                <a:cs typeface="Futura Medium" panose="020B0602020204020303" pitchFamily="34" charset="-79"/>
+                <a:cs typeface="Futura-Medium" panose="020B0602020204020303" pitchFamily="34" charset="-79"/>
               </a:rPr>
               <a:t>Page:</a:t>
             </a:r>
@@ -17989,7 +17991,7 @@
                 </a:solidFill>
                 <a:latin typeface="Gill Sans MT" panose="020B0502020104020203" pitchFamily="34" charset="0"/>
                 <a:ea typeface="+mj-ea"/>
-                <a:cs typeface="Futura Medium" panose="020B0602020204020303" pitchFamily="34" charset="-79"/>
+                <a:cs typeface="Futura-Medium" panose="020B0602020204020303" pitchFamily="34" charset="-79"/>
               </a:rPr>
               <a:t> </a:t>
             </a:r>
@@ -18000,7 +18002,7 @@
                 </a:solidFill>
                 <a:latin typeface="Gill Sans MT" panose="020B0502020104020203" pitchFamily="34" charset="0"/>
                 <a:ea typeface="+mj-ea"/>
-                <a:cs typeface="Futura Medium" panose="020B0602020204020303" pitchFamily="34" charset="-79"/>
+                <a:cs typeface="Futura-Medium" panose="020B0602020204020303" pitchFamily="34" charset="-79"/>
               </a:rPr>
               <a:t>www.hiascend.com</a:t>
             </a:r>
@@ -18010,7 +18012,7 @@
               </a:solidFill>
               <a:latin typeface="Gill Sans MT" panose="020B0502020104020203" pitchFamily="34" charset="0"/>
               <a:ea typeface="+mj-ea"/>
-              <a:cs typeface="Futura Medium" panose="020B0602020204020303" pitchFamily="34" charset="-79"/>
+              <a:cs typeface="Futura-Medium" panose="020B0602020204020303" pitchFamily="34" charset="-79"/>
             </a:endParaRPr>
           </a:p>
         </p:txBody>
@@ -23499,7 +23501,7 @@
                 </a:solidFill>
                 <a:latin typeface="Gill Sans MT" panose="020B0502020104020203" pitchFamily="34" charset="0"/>
                 <a:ea typeface="+mj-ea"/>
-                <a:cs typeface="Futura Medium" panose="020B0602020204020303" pitchFamily="34" charset="-79"/>
+                <a:cs typeface="Futura-Medium" panose="020B0602020204020303" pitchFamily="34" charset="-79"/>
               </a:rPr>
               <a:t>Web</a:t>
             </a:r>
@@ -23510,7 +23512,7 @@
                 </a:solidFill>
                 <a:latin typeface="Gill Sans MT" panose="020B0502020104020203" pitchFamily="34" charset="0"/>
                 <a:ea typeface="+mj-ea"/>
-                <a:cs typeface="Futura Medium" panose="020B0602020204020303" pitchFamily="34" charset="-79"/>
+                <a:cs typeface="Futura-Medium" panose="020B0602020204020303" pitchFamily="34" charset="-79"/>
               </a:rPr>
               <a:t> </a:t>
             </a:r>
@@ -23521,7 +23523,7 @@
                 </a:solidFill>
                 <a:latin typeface="Gill Sans MT" panose="020B0502020104020203" pitchFamily="34" charset="0"/>
                 <a:ea typeface="+mj-ea"/>
-                <a:cs typeface="Futura Medium" panose="020B0602020204020303" pitchFamily="34" charset="-79"/>
+                <a:cs typeface="Futura-Medium" panose="020B0602020204020303" pitchFamily="34" charset="-79"/>
               </a:rPr>
               <a:t>Page:</a:t>
             </a:r>
@@ -23532,7 +23534,7 @@
                 </a:solidFill>
                 <a:latin typeface="Gill Sans MT" panose="020B0502020104020203" pitchFamily="34" charset="0"/>
                 <a:ea typeface="+mj-ea"/>
-                <a:cs typeface="Futura Medium" panose="020B0602020204020303" pitchFamily="34" charset="-79"/>
+                <a:cs typeface="Futura-Medium" panose="020B0602020204020303" pitchFamily="34" charset="-79"/>
               </a:rPr>
               <a:t> </a:t>
             </a:r>
@@ -23543,7 +23545,7 @@
                 </a:solidFill>
                 <a:latin typeface="Gill Sans MT" panose="020B0502020104020203" pitchFamily="34" charset="0"/>
                 <a:ea typeface="+mj-ea"/>
-                <a:cs typeface="Futura Medium" panose="020B0602020204020303" pitchFamily="34" charset="-79"/>
+                <a:cs typeface="Futura-Medium" panose="020B0602020204020303" pitchFamily="34" charset="-79"/>
               </a:rPr>
               <a:t>www.hiascend.com</a:t>
             </a:r>
@@ -23553,7 +23555,7 @@
               </a:solidFill>
               <a:latin typeface="Gill Sans MT" panose="020B0502020104020203" pitchFamily="34" charset="0"/>
               <a:ea typeface="+mj-ea"/>
-              <a:cs typeface="Futura Medium" panose="020B0602020204020303" pitchFamily="34" charset="-79"/>
+              <a:cs typeface="Futura-Medium" panose="020B0602020204020303" pitchFamily="34" charset="-79"/>
             </a:endParaRPr>
           </a:p>
         </p:txBody>
@@ -28952,7 +28954,7 @@
                 </a:solidFill>
                 <a:latin typeface="Gill Sans MT" panose="020B0502020104020203" pitchFamily="34" charset="0"/>
                 <a:ea typeface="+mj-ea"/>
-                <a:cs typeface="Futura Medium" panose="020B0602020204020303" pitchFamily="34" charset="-79"/>
+                <a:cs typeface="Futura-Medium" panose="020B0602020204020303" pitchFamily="34" charset="-79"/>
               </a:rPr>
               <a:t>Web</a:t>
             </a:r>
@@ -28963,7 +28965,7 @@
                 </a:solidFill>
                 <a:latin typeface="Gill Sans MT" panose="020B0502020104020203" pitchFamily="34" charset="0"/>
                 <a:ea typeface="+mj-ea"/>
-                <a:cs typeface="Futura Medium" panose="020B0602020204020303" pitchFamily="34" charset="-79"/>
+                <a:cs typeface="Futura-Medium" panose="020B0602020204020303" pitchFamily="34" charset="-79"/>
               </a:rPr>
               <a:t> </a:t>
             </a:r>
@@ -28974,7 +28976,7 @@
                 </a:solidFill>
                 <a:latin typeface="Gill Sans MT" panose="020B0502020104020203" pitchFamily="34" charset="0"/>
                 <a:ea typeface="+mj-ea"/>
-                <a:cs typeface="Futura Medium" panose="020B0602020204020303" pitchFamily="34" charset="-79"/>
+                <a:cs typeface="Futura-Medium" panose="020B0602020204020303" pitchFamily="34" charset="-79"/>
               </a:rPr>
               <a:t>Page:</a:t>
             </a:r>
@@ -28985,7 +28987,7 @@
                 </a:solidFill>
                 <a:latin typeface="Gill Sans MT" panose="020B0502020104020203" pitchFamily="34" charset="0"/>
                 <a:ea typeface="+mj-ea"/>
-                <a:cs typeface="Futura Medium" panose="020B0602020204020303" pitchFamily="34" charset="-79"/>
+                <a:cs typeface="Futura-Medium" panose="020B0602020204020303" pitchFamily="34" charset="-79"/>
               </a:rPr>
               <a:t> </a:t>
             </a:r>
@@ -28996,7 +28998,7 @@
                 </a:solidFill>
                 <a:latin typeface="Gill Sans MT" panose="020B0502020104020203" pitchFamily="34" charset="0"/>
                 <a:ea typeface="+mj-ea"/>
-                <a:cs typeface="Futura Medium" panose="020B0602020204020303" pitchFamily="34" charset="-79"/>
+                <a:cs typeface="Futura-Medium" panose="020B0602020204020303" pitchFamily="34" charset="-79"/>
               </a:rPr>
               <a:t>www.hiascend.com</a:t>
             </a:r>
@@ -29006,7 +29008,7 @@
               </a:solidFill>
               <a:latin typeface="Gill Sans MT" panose="020B0502020104020203" pitchFamily="34" charset="0"/>
               <a:ea typeface="+mj-ea"/>
-              <a:cs typeface="Futura Medium" panose="020B0602020204020303" pitchFamily="34" charset="-79"/>
+              <a:cs typeface="Futura-Medium" panose="020B0602020204020303" pitchFamily="34" charset="-79"/>
             </a:endParaRPr>
           </a:p>
         </p:txBody>
@@ -34502,7 +34504,7 @@
                 </a:solidFill>
                 <a:latin typeface="Gill Sans MT" panose="020B0502020104020203" pitchFamily="34" charset="0"/>
                 <a:ea typeface="+mj-ea"/>
-                <a:cs typeface="Futura Medium" panose="020B0602020204020303" pitchFamily="34" charset="-79"/>
+                <a:cs typeface="Futura-Medium" panose="020B0602020204020303" pitchFamily="34" charset="-79"/>
               </a:rPr>
               <a:t>Web</a:t>
             </a:r>
@@ -34513,7 +34515,7 @@
                 </a:solidFill>
                 <a:latin typeface="Gill Sans MT" panose="020B0502020104020203" pitchFamily="34" charset="0"/>
                 <a:ea typeface="+mj-ea"/>
-                <a:cs typeface="Futura Medium" panose="020B0602020204020303" pitchFamily="34" charset="-79"/>
+                <a:cs typeface="Futura-Medium" panose="020B0602020204020303" pitchFamily="34" charset="-79"/>
               </a:rPr>
               <a:t> </a:t>
             </a:r>
@@ -34524,7 +34526,7 @@
                 </a:solidFill>
                 <a:latin typeface="Gill Sans MT" panose="020B0502020104020203" pitchFamily="34" charset="0"/>
                 <a:ea typeface="+mj-ea"/>
-                <a:cs typeface="Futura Medium" panose="020B0602020204020303" pitchFamily="34" charset="-79"/>
+                <a:cs typeface="Futura-Medium" panose="020B0602020204020303" pitchFamily="34" charset="-79"/>
               </a:rPr>
               <a:t>Page:</a:t>
             </a:r>
@@ -34535,7 +34537,7 @@
                 </a:solidFill>
                 <a:latin typeface="Gill Sans MT" panose="020B0502020104020203" pitchFamily="34" charset="0"/>
                 <a:ea typeface="+mj-ea"/>
-                <a:cs typeface="Futura Medium" panose="020B0602020204020303" pitchFamily="34" charset="-79"/>
+                <a:cs typeface="Futura-Medium" panose="020B0602020204020303" pitchFamily="34" charset="-79"/>
               </a:rPr>
               <a:t> </a:t>
             </a:r>
@@ -34546,7 +34548,7 @@
                 </a:solidFill>
                 <a:latin typeface="Gill Sans MT" panose="020B0502020104020203" pitchFamily="34" charset="0"/>
                 <a:ea typeface="+mj-ea"/>
-                <a:cs typeface="Futura Medium" panose="020B0602020204020303" pitchFamily="34" charset="-79"/>
+                <a:cs typeface="Futura-Medium" panose="020B0602020204020303" pitchFamily="34" charset="-79"/>
               </a:rPr>
               <a:t>www.hiascend.com</a:t>
             </a:r>
@@ -34556,7 +34558,7 @@
               </a:solidFill>
               <a:latin typeface="Gill Sans MT" panose="020B0502020104020203" pitchFamily="34" charset="0"/>
               <a:ea typeface="+mj-ea"/>
-              <a:cs typeface="Futura Medium" panose="020B0602020204020303" pitchFamily="34" charset="-79"/>
+              <a:cs typeface="Futura-Medium" panose="020B0602020204020303" pitchFamily="34" charset="-79"/>
             </a:endParaRPr>
           </a:p>
         </p:txBody>
@@ -40049,7 +40051,7 @@
                 </a:solidFill>
                 <a:latin typeface="Gill Sans MT" panose="020B0502020104020203" pitchFamily="34" charset="0"/>
                 <a:ea typeface="+mj-ea"/>
-                <a:cs typeface="Futura Medium" panose="020B0602020204020303" pitchFamily="34" charset="-79"/>
+                <a:cs typeface="Futura-Medium" panose="020B0602020204020303" pitchFamily="34" charset="-79"/>
               </a:rPr>
               <a:t>Web</a:t>
             </a:r>
@@ -40060,7 +40062,7 @@
                 </a:solidFill>
                 <a:latin typeface="Gill Sans MT" panose="020B0502020104020203" pitchFamily="34" charset="0"/>
                 <a:ea typeface="+mj-ea"/>
-                <a:cs typeface="Futura Medium" panose="020B0602020204020303" pitchFamily="34" charset="-79"/>
+                <a:cs typeface="Futura-Medium" panose="020B0602020204020303" pitchFamily="34" charset="-79"/>
               </a:rPr>
               <a:t> </a:t>
             </a:r>
@@ -40071,7 +40073,7 @@
                 </a:solidFill>
                 <a:latin typeface="Gill Sans MT" panose="020B0502020104020203" pitchFamily="34" charset="0"/>
                 <a:ea typeface="+mj-ea"/>
-                <a:cs typeface="Futura Medium" panose="020B0602020204020303" pitchFamily="34" charset="-79"/>
+                <a:cs typeface="Futura-Medium" panose="020B0602020204020303" pitchFamily="34" charset="-79"/>
               </a:rPr>
               <a:t>Page:</a:t>
             </a:r>
@@ -40082,7 +40084,7 @@
                 </a:solidFill>
                 <a:latin typeface="Gill Sans MT" panose="020B0502020104020203" pitchFamily="34" charset="0"/>
                 <a:ea typeface="+mj-ea"/>
-                <a:cs typeface="Futura Medium" panose="020B0602020204020303" pitchFamily="34" charset="-79"/>
+                <a:cs typeface="Futura-Medium" panose="020B0602020204020303" pitchFamily="34" charset="-79"/>
               </a:rPr>
               <a:t> </a:t>
             </a:r>
@@ -40093,7 +40095,7 @@
                 </a:solidFill>
                 <a:latin typeface="Gill Sans MT" panose="020B0502020104020203" pitchFamily="34" charset="0"/>
                 <a:ea typeface="+mj-ea"/>
-                <a:cs typeface="Futura Medium" panose="020B0602020204020303" pitchFamily="34" charset="-79"/>
+                <a:cs typeface="Futura-Medium" panose="020B0602020204020303" pitchFamily="34" charset="-79"/>
               </a:rPr>
               <a:t>www.hiascend.com</a:t>
             </a:r>
@@ -40103,7 +40105,7 @@
               </a:solidFill>
               <a:latin typeface="Gill Sans MT" panose="020B0502020104020203" pitchFamily="34" charset="0"/>
               <a:ea typeface="+mj-ea"/>
-              <a:cs typeface="Futura Medium" panose="020B0602020204020303" pitchFamily="34" charset="-79"/>
+              <a:cs typeface="Futura-Medium" panose="020B0602020204020303" pitchFamily="34" charset="-79"/>
             </a:endParaRPr>
           </a:p>
         </p:txBody>
@@ -41682,7 +41684,7 @@
                 </a:solidFill>
                 <a:latin typeface="Gill Sans MT" panose="020B0502020104020203" pitchFamily="34" charset="0"/>
                 <a:ea typeface="+mj-ea"/>
-                <a:cs typeface="Futura Medium" panose="020B0602020204020303" pitchFamily="34" charset="-79"/>
+                <a:cs typeface="Futura-Medium" panose="020B0602020204020303" pitchFamily="34" charset="-79"/>
               </a:rPr>
               <a:t>Web</a:t>
             </a:r>
@@ -41693,7 +41695,7 @@
                 </a:solidFill>
                 <a:latin typeface="Gill Sans MT" panose="020B0502020104020203" pitchFamily="34" charset="0"/>
                 <a:ea typeface="+mj-ea"/>
-                <a:cs typeface="Futura Medium" panose="020B0602020204020303" pitchFamily="34" charset="-79"/>
+                <a:cs typeface="Futura-Medium" panose="020B0602020204020303" pitchFamily="34" charset="-79"/>
               </a:rPr>
               <a:t> </a:t>
             </a:r>
@@ -41704,7 +41706,7 @@
                 </a:solidFill>
                 <a:latin typeface="Gill Sans MT" panose="020B0502020104020203" pitchFamily="34" charset="0"/>
                 <a:ea typeface="+mj-ea"/>
-                <a:cs typeface="Futura Medium" panose="020B0602020204020303" pitchFamily="34" charset="-79"/>
+                <a:cs typeface="Futura-Medium" panose="020B0602020204020303" pitchFamily="34" charset="-79"/>
               </a:rPr>
               <a:t>Page:</a:t>
             </a:r>
@@ -41715,7 +41717,7 @@
                 </a:solidFill>
                 <a:latin typeface="Gill Sans MT" panose="020B0502020104020203" pitchFamily="34" charset="0"/>
                 <a:ea typeface="+mj-ea"/>
-                <a:cs typeface="Futura Medium" panose="020B0602020204020303" pitchFamily="34" charset="-79"/>
+                <a:cs typeface="Futura-Medium" panose="020B0602020204020303" pitchFamily="34" charset="-79"/>
               </a:rPr>
               <a:t> </a:t>
             </a:r>
@@ -41726,7 +41728,7 @@
                 </a:solidFill>
                 <a:latin typeface="Gill Sans MT" panose="020B0502020104020203" pitchFamily="34" charset="0"/>
                 <a:ea typeface="+mj-ea"/>
-                <a:cs typeface="Futura Medium" panose="020B0602020204020303" pitchFamily="34" charset="-79"/>
+                <a:cs typeface="Futura-Medium" panose="020B0602020204020303" pitchFamily="34" charset="-79"/>
               </a:rPr>
               <a:t>www.hiascend.com</a:t>
             </a:r>
@@ -41736,7 +41738,7 @@
               </a:solidFill>
               <a:latin typeface="Gill Sans MT" panose="020B0502020104020203" pitchFamily="34" charset="0"/>
               <a:ea typeface="+mj-ea"/>
-              <a:cs typeface="Futura Medium" panose="020B0602020204020303" pitchFamily="34" charset="-79"/>
+              <a:cs typeface="Futura-Medium" panose="020B0602020204020303" pitchFamily="34" charset="-79"/>
             </a:endParaRPr>
           </a:p>
         </p:txBody>
@@ -46674,9 +46676,9 @@
           <a:solidFill>
             <a:srgbClr val="1D1D1A"/>
           </a:solidFill>
-          <a:latin typeface="Futura Medium" panose="020B0602020204020303" pitchFamily="34" charset="-79"/>
+          <a:latin typeface="Futura-Medium" panose="020B0602020204020303" pitchFamily="34" charset="-79"/>
           <a:ea typeface="Microsoft YaHei" panose="020B0503020204020204" pitchFamily="34" charset="-122"/>
-          <a:cs typeface="Futura Medium" panose="020B0602020204020303" pitchFamily="34" charset="-79"/>
+          <a:cs typeface="Futura-Medium" panose="020B0602020204020303" pitchFamily="34" charset="-79"/>
         </a:defRPr>
       </a:lvl1pPr>
     </p:titleStyle>
@@ -48259,46 +48261,98 @@
           <a:chExt cx="0" cy="0"/>
         </a:xfrm>
       </p:grpSpPr>
-      <p:sp>
-        <p:nvSpPr>
-          <p:cNvPr id="8" name="内容占位符 7">
+      <p:pic>
+        <p:nvPicPr>
+          <p:cNvPr id="9" name="图片 8">
             <a:extLst>
               <a:ext uri="{FF2B5EF4-FFF2-40B4-BE49-F238E27FC236}">
-                <a16:creationId xmlns:a16="http://schemas.microsoft.com/office/drawing/2014/main" id="{409F2546-A558-D94A-9B45-F34DE5B2AB09}"/>
+                <a16:creationId xmlns:a16="http://schemas.microsoft.com/office/drawing/2014/main" id="{8637DD24-5DA3-51D9-AB75-B00694C33AD5}"/>
               </a:ext>
             </a:extLst>
           </p:cNvPr>
-          <p:cNvSpPr>
-            <a:spLocks noGrp="1"/>
-          </p:cNvSpPr>
-          <p:nvPr>
-            <p:ph sz="half" idx="1"/>
-          </p:nvPr>
-        </p:nvSpPr>
+          <p:cNvPicPr>
+            <a:picLocks noChangeAspect="1"/>
+          </p:cNvPicPr>
+          <p:nvPr/>
+        </p:nvPicPr>
+        <p:blipFill>
+          <a:blip r:embed="rId2">
+            <a:extLst>
+              <a:ext uri="{28A0092B-C50C-407E-A947-70E740481C1C}">
+                <a14:useLocalDpi xmlns:a14="http://schemas.microsoft.com/office/drawing/2010/main" val="0"/>
+              </a:ext>
+            </a:extLst>
+          </a:blip>
+          <a:stretch>
+            <a:fillRect/>
+          </a:stretch>
+        </p:blipFill>
         <p:spPr>
+          <a:xfrm>
+            <a:off x="2720933" y="328772"/>
+            <a:ext cx="6754896" cy="5957970"/>
+          </a:xfrm>
           <a:prstGeom prst="rect">
             <a:avLst/>
           </a:prstGeom>
         </p:spPr>
+      </p:pic>
+      <p:sp>
+        <p:nvSpPr>
+          <p:cNvPr id="5" name="矩形 4">
+            <a:extLst>
+              <a:ext uri="{FF2B5EF4-FFF2-40B4-BE49-F238E27FC236}">
+                <a16:creationId xmlns:a16="http://schemas.microsoft.com/office/drawing/2014/main" id="{817E78E0-09DB-F974-C23A-AF6C099FA595}"/>
+              </a:ext>
+            </a:extLst>
+          </p:cNvPr>
+          <p:cNvSpPr/>
+          <p:nvPr/>
+        </p:nvSpPr>
+        <p:spPr>
+          <a:xfrm flipV="1">
+            <a:off x="3411020" y="5332288"/>
+            <a:ext cx="2677087" cy="996592"/>
+          </a:xfrm>
+          <a:prstGeom prst="rect">
+            <a:avLst/>
+          </a:prstGeom>
+          <a:noFill/>
+          <a:ln w="38100">
+            <a:solidFill>
+              <a:srgbClr val="C00000"/>
+            </a:solidFill>
+          </a:ln>
+        </p:spPr>
+        <p:style>
+          <a:lnRef idx="2">
+            <a:schemeClr val="accent1">
+              <a:shade val="50000"/>
+            </a:schemeClr>
+          </a:lnRef>
+          <a:fillRef idx="1">
+            <a:schemeClr val="accent1"/>
+          </a:fillRef>
+          <a:effectRef idx="0">
+            <a:schemeClr val="accent1"/>
+          </a:effectRef>
+          <a:fontRef idx="minor">
+            <a:schemeClr val="lt1"/>
+          </a:fontRef>
+        </p:style>
         <p:txBody>
-          <a:bodyPr/>
+          <a:bodyPr rtlCol="0" anchor="ctr"/>
           <a:lstStyle/>
           <a:p>
-            <a:r>
-              <a:rPr lang="en-US" altLang="zh-CN" dirty="0"/>
-              <a:t>N.</a:t>
-            </a:r>
-            <a:r>
-              <a:rPr lang="zh-CN" altLang="en-US" dirty="0"/>
-              <a:t> 总结与思考</a:t>
-            </a:r>
+            <a:pPr algn="ctr"/>
+            <a:endParaRPr kumimoji="1" lang="zh-CN" altLang="en-US"/>
           </a:p>
         </p:txBody>
       </p:sp>
     </p:spTree>
     <p:extLst>
       <p:ext uri="{BB962C8B-B14F-4D97-AF65-F5344CB8AC3E}">
-        <p14:creationId xmlns:p14="http://schemas.microsoft.com/office/powerpoint/2010/main" val="175922046"/>
+        <p14:creationId xmlns:p14="http://schemas.microsoft.com/office/powerpoint/2010/main" val="3237722986"/>
       </p:ext>
     </p:extLst>
   </p:cSld>
@@ -48337,6 +48391,265 @@
           <a:chExt cx="0" cy="0"/>
         </a:xfrm>
       </p:grpSpPr>
+      <p:pic>
+        <p:nvPicPr>
+          <p:cNvPr id="7" name="内容占位符 6">
+            <a:extLst>
+              <a:ext uri="{FF2B5EF4-FFF2-40B4-BE49-F238E27FC236}">
+                <a16:creationId xmlns:a16="http://schemas.microsoft.com/office/drawing/2014/main" id="{D93AC488-FB13-0614-F07A-5DCB8F8FBADD}"/>
+              </a:ext>
+            </a:extLst>
+          </p:cNvPr>
+          <p:cNvPicPr>
+            <a:picLocks noGrp="1" noChangeAspect="1"/>
+          </p:cNvPicPr>
+          <p:nvPr>
+            <p:ph sz="half" idx="1"/>
+          </p:nvPr>
+        </p:nvPicPr>
+        <p:blipFill>
+          <a:blip r:embed="rId2">
+            <a:extLst>
+              <a:ext uri="{28A0092B-C50C-407E-A947-70E740481C1C}">
+                <a14:useLocalDpi xmlns:a14="http://schemas.microsoft.com/office/drawing/2010/main" val="0"/>
+              </a:ext>
+            </a:extLst>
+          </a:blip>
+          <a:stretch>
+            <a:fillRect/>
+          </a:stretch>
+        </p:blipFill>
+        <p:spPr>
+          <a:xfrm>
+            <a:off x="2260991" y="1097259"/>
+            <a:ext cx="7674780" cy="4994275"/>
+          </a:xfrm>
+        </p:spPr>
+      </p:pic>
+      <p:sp>
+        <p:nvSpPr>
+          <p:cNvPr id="10" name="矩形 9">
+            <a:extLst>
+              <a:ext uri="{FF2B5EF4-FFF2-40B4-BE49-F238E27FC236}">
+                <a16:creationId xmlns:a16="http://schemas.microsoft.com/office/drawing/2014/main" id="{66EC5F4D-6A79-1F90-7F91-05527E18A1E3}"/>
+              </a:ext>
+            </a:extLst>
+          </p:cNvPr>
+          <p:cNvSpPr/>
+          <p:nvPr/>
+        </p:nvSpPr>
+        <p:spPr>
+          <a:xfrm flipH="1" flipV="1">
+            <a:off x="7756988" y="4899732"/>
+            <a:ext cx="2178782" cy="1243172"/>
+          </a:xfrm>
+          <a:prstGeom prst="rect">
+            <a:avLst/>
+          </a:prstGeom>
+          <a:noFill/>
+          <a:ln w="38100">
+            <a:solidFill>
+              <a:srgbClr val="C00000"/>
+            </a:solidFill>
+          </a:ln>
+        </p:spPr>
+        <p:style>
+          <a:lnRef idx="2">
+            <a:schemeClr val="accent1">
+              <a:shade val="50000"/>
+            </a:schemeClr>
+          </a:lnRef>
+          <a:fillRef idx="1">
+            <a:schemeClr val="accent1"/>
+          </a:fillRef>
+          <a:effectRef idx="0">
+            <a:schemeClr val="accent1"/>
+          </a:effectRef>
+          <a:fontRef idx="minor">
+            <a:schemeClr val="lt1"/>
+          </a:fontRef>
+        </p:style>
+        <p:txBody>
+          <a:bodyPr rtlCol="0" anchor="ctr"/>
+          <a:lstStyle/>
+          <a:p>
+            <a:pPr algn="ctr"/>
+            <a:endParaRPr kumimoji="1" lang="zh-CN" altLang="en-US"/>
+          </a:p>
+        </p:txBody>
+      </p:sp>
+      <p:sp>
+        <p:nvSpPr>
+          <p:cNvPr id="11" name="矩形 10">
+            <a:extLst>
+              <a:ext uri="{FF2B5EF4-FFF2-40B4-BE49-F238E27FC236}">
+                <a16:creationId xmlns:a16="http://schemas.microsoft.com/office/drawing/2014/main" id="{1B446D9B-5EC6-4D2E-CB0D-44EE0A02FAF2}"/>
+              </a:ext>
+            </a:extLst>
+          </p:cNvPr>
+          <p:cNvSpPr/>
+          <p:nvPr/>
+        </p:nvSpPr>
+        <p:spPr>
+          <a:xfrm flipH="1" flipV="1">
+            <a:off x="7756988" y="3010329"/>
+            <a:ext cx="2178782" cy="1150704"/>
+          </a:xfrm>
+          <a:prstGeom prst="rect">
+            <a:avLst/>
+          </a:prstGeom>
+          <a:noFill/>
+          <a:ln w="38100">
+            <a:solidFill>
+              <a:srgbClr val="C00000"/>
+            </a:solidFill>
+          </a:ln>
+        </p:spPr>
+        <p:style>
+          <a:lnRef idx="2">
+            <a:schemeClr val="accent1">
+              <a:shade val="50000"/>
+            </a:schemeClr>
+          </a:lnRef>
+          <a:fillRef idx="1">
+            <a:schemeClr val="accent1"/>
+          </a:fillRef>
+          <a:effectRef idx="0">
+            <a:schemeClr val="accent1"/>
+          </a:effectRef>
+          <a:fontRef idx="minor">
+            <a:schemeClr val="lt1"/>
+          </a:fontRef>
+        </p:style>
+        <p:txBody>
+          <a:bodyPr rtlCol="0" anchor="ctr"/>
+          <a:lstStyle/>
+          <a:p>
+            <a:pPr algn="ctr"/>
+            <a:endParaRPr kumimoji="1" lang="zh-CN" altLang="en-US"/>
+          </a:p>
+        </p:txBody>
+      </p:sp>
+    </p:spTree>
+    <p:extLst>
+      <p:ext uri="{BB962C8B-B14F-4D97-AF65-F5344CB8AC3E}">
+        <p14:creationId xmlns:p14="http://schemas.microsoft.com/office/powerpoint/2010/main" val="608419984"/>
+      </p:ext>
+    </p:extLst>
+  </p:cSld>
+  <p:clrMapOvr>
+    <a:masterClrMapping/>
+  </p:clrMapOvr>
+  <mc:AlternateContent xmlns:mc="http://schemas.openxmlformats.org/markup-compatibility/2006" xmlns:p159="http://schemas.microsoft.com/office/powerpoint/2015/09/main">
+    <mc:Choice Requires="p159">
+      <p:transition xmlns:p14="http://schemas.microsoft.com/office/powerpoint/2010/main" spd="slow" p14:dur="2000">
+        <p159:morph option="byObject"/>
+      </p:transition>
+    </mc:Choice>
+    <mc:Fallback xmlns="">
+      <p:transition spd="slow">
+        <p:fade/>
+      </p:transition>
+    </mc:Fallback>
+  </mc:AlternateContent>
+</p:sld>
+</file>
+
+<file path=ppt/slides/slide7.xml><?xml version="1.0" encoding="utf-8"?>
+<p:sld xmlns:a="http://schemas.openxmlformats.org/drawingml/2006/main" xmlns:r="http://schemas.openxmlformats.org/officeDocument/2006/relationships" xmlns:p="http://schemas.openxmlformats.org/presentationml/2006/main">
+  <p:cSld>
+    <p:spTree>
+      <p:nvGrpSpPr>
+        <p:cNvPr id="1" name=""/>
+        <p:cNvGrpSpPr/>
+        <p:nvPr/>
+      </p:nvGrpSpPr>
+      <p:grpSpPr>
+        <a:xfrm>
+          <a:off x="0" y="0"/>
+          <a:ext cx="0" cy="0"/>
+          <a:chOff x="0" y="0"/>
+          <a:chExt cx="0" cy="0"/>
+        </a:xfrm>
+      </p:grpSpPr>
+      <p:sp>
+        <p:nvSpPr>
+          <p:cNvPr id="8" name="内容占位符 7">
+            <a:extLst>
+              <a:ext uri="{FF2B5EF4-FFF2-40B4-BE49-F238E27FC236}">
+                <a16:creationId xmlns:a16="http://schemas.microsoft.com/office/drawing/2014/main" id="{409F2546-A558-D94A-9B45-F34DE5B2AB09}"/>
+              </a:ext>
+            </a:extLst>
+          </p:cNvPr>
+          <p:cNvSpPr>
+            <a:spLocks noGrp="1"/>
+          </p:cNvSpPr>
+          <p:nvPr>
+            <p:ph sz="half" idx="1"/>
+          </p:nvPr>
+        </p:nvSpPr>
+        <p:spPr>
+          <a:prstGeom prst="rect">
+            <a:avLst/>
+          </a:prstGeom>
+        </p:spPr>
+        <p:txBody>
+          <a:bodyPr/>
+          <a:lstStyle/>
+          <a:p>
+            <a:r>
+              <a:rPr lang="en-US" altLang="zh-CN" dirty="0"/>
+              <a:t>N.</a:t>
+            </a:r>
+            <a:r>
+              <a:rPr lang="zh-CN" altLang="en-US" dirty="0"/>
+              <a:t> 总结与思考</a:t>
+            </a:r>
+          </a:p>
+        </p:txBody>
+      </p:sp>
+    </p:spTree>
+    <p:extLst>
+      <p:ext uri="{BB962C8B-B14F-4D97-AF65-F5344CB8AC3E}">
+        <p14:creationId xmlns:p14="http://schemas.microsoft.com/office/powerpoint/2010/main" val="175922046"/>
+      </p:ext>
+    </p:extLst>
+  </p:cSld>
+  <p:clrMapOvr>
+    <a:masterClrMapping/>
+  </p:clrMapOvr>
+  <mc:AlternateContent xmlns:mc="http://schemas.openxmlformats.org/markup-compatibility/2006" xmlns:p159="http://schemas.microsoft.com/office/powerpoint/2015/09/main">
+    <mc:Choice Requires="p159">
+      <p:transition xmlns:p14="http://schemas.microsoft.com/office/powerpoint/2010/main" spd="slow" p14:dur="2000">
+        <p159:morph option="byObject"/>
+      </p:transition>
+    </mc:Choice>
+    <mc:Fallback xmlns="">
+      <p:transition spd="slow">
+        <p:fade/>
+      </p:transition>
+    </mc:Fallback>
+  </mc:AlternateContent>
+</p:sld>
+</file>
+
+<file path=ppt/slides/slide8.xml><?xml version="1.0" encoding="utf-8"?>
+<p:sld xmlns:a="http://schemas.openxmlformats.org/drawingml/2006/main" xmlns:r="http://schemas.openxmlformats.org/officeDocument/2006/relationships" xmlns:p="http://schemas.openxmlformats.org/presentationml/2006/main">
+  <p:cSld>
+    <p:spTree>
+      <p:nvGrpSpPr>
+        <p:cNvPr id="1" name=""/>
+        <p:cNvGrpSpPr/>
+        <p:nvPr/>
+      </p:nvGrpSpPr>
+      <p:grpSpPr>
+        <a:xfrm>
+          <a:off x="0" y="0"/>
+          <a:ext cx="0" cy="0"/>
+          <a:chOff x="0" y="0"/>
+          <a:chExt cx="0" cy="0"/>
+        </a:xfrm>
+      </p:grpSpPr>
       <p:sp>
         <p:nvSpPr>
           <p:cNvPr id="10" name="标题 1">
@@ -48610,7 +48923,7 @@
 </p:sld>
 </file>
 
-<file path=ppt/slides/slide7.xml><?xml version="1.0" encoding="utf-8"?>
+<file path=ppt/slides/slide9.xml><?xml version="1.0" encoding="utf-8"?>
 <p:sld xmlns:a="http://schemas.openxmlformats.org/drawingml/2006/main" xmlns:r="http://schemas.openxmlformats.org/officeDocument/2006/relationships" xmlns:p="http://schemas.openxmlformats.org/presentationml/2006/main">
   <p:cSld>
     <p:spTree>
